--- a/1-Documents/Presentation/soutenance/presentation_projdev.pptx
+++ b/1-Documents/Presentation/soutenance/presentation_projdev.pptx
@@ -23,10 +23,10 @@
     <p:sldId id="275" r:id="rId11"/>
     <p:sldId id="278" r:id="rId12"/>
     <p:sldId id="273" r:id="rId13"/>
-    <p:sldId id="264" r:id="rId14"/>
+    <p:sldId id="282" r:id="rId14"/>
     <p:sldId id="267" r:id="rId15"/>
-    <p:sldId id="270" r:id="rId16"/>
-    <p:sldId id="269" r:id="rId17"/>
+    <p:sldId id="269" r:id="rId16"/>
+    <p:sldId id="270" r:id="rId17"/>
     <p:sldId id="266" r:id="rId18"/>
   </p:sldIdLst>
   <p:sldSz cx="9144000" cy="6858000" type="screen4x3"/>
@@ -889,7 +889,7 @@
           <a:p>
             <a:fld id="{76EB4AE8-4E56-4C00-A60F-30CBAAB2FC14}" type="slidenum">
               <a:rPr lang="fr-FR" smtClean="0"/>
-              <a:t>16</a:t>
+              <a:t>15</a:t>
             </a:fld>
             <a:endParaRPr lang="fr-FR"/>
           </a:p>
@@ -5568,6 +5568,14 @@
   <p:clrMapOvr>
     <a:masterClrMapping/>
   </p:clrMapOvr>
+  <mc:AlternateContent xmlns:mc="http://schemas.openxmlformats.org/markup-compatibility/2006">
+    <mc:Choice xmlns:p14="http://schemas.microsoft.com/office/powerpoint/2010/main" Requires="p14">
+      <p:transition spd="slow" p14:dur="2000"/>
+    </mc:Choice>
+    <mc:Fallback>
+      <p:transition spd="slow"/>
+    </mc:Fallback>
+  </mc:AlternateContent>
   <p:timing>
     <p:tnLst>
       <p:par>
@@ -5846,7 +5854,34 @@
             <a:pPr lvl="2"/>
             <a:r>
               <a:rPr lang="fr-FR" dirty="0" smtClean="0"/>
-              <a:t>récupération toutes </a:t>
+              <a:t>Récupérer toutes les </a:t>
+            </a:r>
+            <a:r>
+              <a:rPr lang="fr-FR" dirty="0" err="1" smtClean="0"/>
+              <a:t>polylignes</a:t>
+            </a:r>
+            <a:r>
+              <a:rPr lang="fr-FR" dirty="0" smtClean="0"/>
+              <a:t> </a:t>
+            </a:r>
+            <a:r>
+              <a:rPr lang="fr-FR" dirty="0" smtClean="0"/>
+              <a:t>d’un niveau</a:t>
+            </a:r>
+          </a:p>
+          <a:p>
+            <a:pPr lvl="2"/>
+            <a:r>
+              <a:rPr lang="fr-FR" dirty="0"/>
+              <a:t>U</a:t>
+            </a:r>
+            <a:r>
+              <a:rPr lang="fr-FR" dirty="0" smtClean="0"/>
+              <a:t>nifier </a:t>
+            </a:r>
+            <a:r>
+              <a:rPr lang="fr-FR" dirty="0"/>
+              <a:t>ces </a:t>
             </a:r>
             <a:r>
               <a:rPr lang="fr-FR" dirty="0" err="1"/>
@@ -5854,29 +5889,6 @@
             </a:r>
             <a:r>
               <a:rPr lang="fr-FR" dirty="0"/>
-              <a:t> </a:t>
-            </a:r>
-            <a:r>
-              <a:rPr lang="fr-FR" dirty="0" smtClean="0"/>
-              <a:t>d’un niveau</a:t>
-            </a:r>
-          </a:p>
-          <a:p>
-            <a:pPr lvl="2"/>
-            <a:r>
-              <a:rPr lang="fr-FR" dirty="0" smtClean="0"/>
-              <a:t>unifier </a:t>
-            </a:r>
-            <a:r>
-              <a:rPr lang="fr-FR" dirty="0"/>
-              <a:t>ces </a:t>
-            </a:r>
-            <a:r>
-              <a:rPr lang="fr-FR" dirty="0" err="1"/>
-              <a:t>polylignes</a:t>
-            </a:r>
-            <a:r>
-              <a:rPr lang="fr-FR" dirty="0"/>
               <a:t> pour ce niveau </a:t>
             </a:r>
           </a:p>
@@ -5931,11 +5943,7 @@
             </a:br>
             <a:r>
               <a:rPr lang="fr-FR" i="1" dirty="0" smtClean="0"/>
-              <a:t>(to </a:t>
-            </a:r>
-            <a:r>
-              <a:rPr lang="fr-FR" i="1" dirty="0" smtClean="0"/>
-              <a:t>do/</a:t>
+              <a:t>(to do/</a:t>
             </a:r>
             <a:r>
               <a:rPr lang="fr-FR" i="1" dirty="0" err="1" smtClean="0"/>
@@ -5950,7 +5958,7 @@
               <a:t>done</a:t>
             </a:r>
             <a:r>
-              <a:rPr lang="fr-FR" i="1" dirty="0"/>
+              <a:rPr lang="fr-FR" i="1" dirty="0" smtClean="0"/>
               <a:t>)</a:t>
             </a:r>
             <a:r>
@@ -6099,6 +6107,14 @@
   <p:clrMapOvr>
     <a:masterClrMapping/>
   </p:clrMapOvr>
+  <mc:AlternateContent xmlns:mc="http://schemas.openxmlformats.org/markup-compatibility/2006">
+    <mc:Choice xmlns:p14="http://schemas.microsoft.com/office/powerpoint/2010/main" Requires="p14">
+      <p:transition spd="slow" p14:dur="2000"/>
+    </mc:Choice>
+    <mc:Fallback>
+      <p:transition spd="slow"/>
+    </mc:Fallback>
+  </mc:AlternateContent>
   <p:timing>
     <p:tnLst>
       <p:par>
@@ -6405,6 +6421,14 @@
   <p:clrMapOvr>
     <a:masterClrMapping/>
   </p:clrMapOvr>
+  <mc:AlternateContent xmlns:mc="http://schemas.openxmlformats.org/markup-compatibility/2006">
+    <mc:Choice xmlns:p14="http://schemas.microsoft.com/office/powerpoint/2010/main" Requires="p14">
+      <p:transition spd="slow" p14:dur="2000"/>
+    </mc:Choice>
+    <mc:Fallback>
+      <p:transition spd="slow"/>
+    </mc:Fallback>
+  </mc:AlternateContent>
   <p:timing>
     <p:tnLst>
       <p:par>
@@ -6463,7 +6487,7 @@
           </p:cNvPicPr>
           <p:nvPr/>
         </p:nvPicPr>
-        <p:blipFill rotWithShape="1">
+        <p:blipFill>
           <a:blip r:embed="rId2">
             <a:extLst>
               <a:ext uri="{28A0092B-C50C-407E-A947-70E740481C1C}">
@@ -6471,13 +6495,14 @@
               </a:ext>
             </a:extLst>
           </a:blip>
-          <a:srcRect r="26252"/>
-          <a:stretch/>
+          <a:stretch>
+            <a:fillRect/>
+          </a:stretch>
         </p:blipFill>
         <p:spPr>
           <a:xfrm>
-            <a:off x="-9015" y="-17175"/>
-            <a:ext cx="9153015" cy="6875175"/>
+            <a:off x="-9015" y="0"/>
+            <a:ext cx="9153015" cy="6858000"/>
           </a:xfrm>
           <a:prstGeom prst="rect">
             <a:avLst/>
@@ -6633,6 +6658,14 @@
   <p:clrMapOvr>
     <a:masterClrMapping/>
   </p:clrMapOvr>
+  <mc:AlternateContent xmlns:mc="http://schemas.openxmlformats.org/markup-compatibility/2006">
+    <mc:Choice xmlns:p14="http://schemas.microsoft.com/office/powerpoint/2010/main" Requires="p14">
+      <p:transition spd="slow" p14:dur="2000"/>
+    </mc:Choice>
+    <mc:Fallback>
+      <p:transition spd="slow"/>
+    </mc:Fallback>
+  </mc:AlternateContent>
   <p:timing>
     <p:tnLst>
       <p:par>
@@ -6662,12 +6695,12 @@
       </p:grpSpPr>
       <p:sp>
         <p:nvSpPr>
-          <p:cNvPr id="2" name="Espace réservé du contenu 1"/>
-          <p:cNvSpPr>
-            <a:spLocks noGrp="1"/>
-          </p:cNvSpPr>
-          <p:nvPr>
-            <p:ph idx="1"/>
+          <p:cNvPr id="3" name="Espace réservé de la date 2"/>
+          <p:cNvSpPr>
+            <a:spLocks noGrp="1"/>
+          </p:cNvSpPr>
+          <p:nvPr>
+            <p:ph type="dt" sz="half" idx="10"/>
           </p:nvPr>
         </p:nvSpPr>
         <p:spPr/>
@@ -6675,335 +6708,7 @@
           <a:bodyPr/>
           <a:lstStyle/>
           <a:p>
-            <a:r>
-              <a:rPr lang="fr-FR" dirty="0" smtClean="0"/>
-              <a:t>Graphique à insérer </a:t>
-            </a:r>
-            <a:r>
-              <a:rPr lang="fr-FR" dirty="0" smtClean="0"/>
-              <a:t>!</a:t>
-            </a:r>
-          </a:p>
-          <a:p>
-            <a:endParaRPr lang="fr-FR" dirty="0"/>
-          </a:p>
-          <a:p>
-            <a:pPr marL="365760" lvl="1" indent="-256032">
-              <a:spcBef>
-                <a:spcPts val="400"/>
-              </a:spcBef>
-              <a:buSzPct val="68000"/>
-              <a:buFont typeface="Wingdings 3"/>
-              <a:buChar char=""/>
-            </a:pPr>
-            <a:r>
-              <a:rPr lang="fr-FR" dirty="0" smtClean="0"/>
-              <a:t>Sprint </a:t>
-            </a:r>
-            <a:r>
-              <a:rPr lang="fr-FR" dirty="0"/>
-              <a:t>: Découper l’itinéraire par </a:t>
-            </a:r>
-            <a:r>
-              <a:rPr lang="fr-FR" dirty="0" smtClean="0"/>
-              <a:t>étage 3 jours / deux </a:t>
-            </a:r>
-            <a:r>
-              <a:rPr lang="fr-FR" dirty="0" smtClean="0">
-                <a:solidFill>
-                  <a:srgbClr val="00B050"/>
-                </a:solidFill>
-              </a:rPr>
-              <a:t>200 - </a:t>
-            </a:r>
-            <a:r>
-              <a:rPr lang="fr-FR" dirty="0" smtClean="0">
-                <a:solidFill>
-                  <a:schemeClr val="accent3">
-                    <a:lumMod val="40000"/>
-                    <a:lumOff val="60000"/>
-                  </a:schemeClr>
-                </a:solidFill>
-              </a:rPr>
-              <a:t>225</a:t>
-            </a:r>
-          </a:p>
-          <a:p>
-            <a:pPr lvl="2"/>
-            <a:r>
-              <a:rPr lang="fr-FR" dirty="0"/>
-              <a:t>récupération toutes </a:t>
-            </a:r>
-            <a:r>
-              <a:rPr lang="fr-FR" dirty="0" err="1"/>
-              <a:t>polylignes</a:t>
-            </a:r>
-            <a:r>
-              <a:rPr lang="fr-FR" dirty="0"/>
-              <a:t> d’un </a:t>
-            </a:r>
-            <a:r>
-              <a:rPr lang="fr-FR" dirty="0" smtClean="0"/>
-              <a:t>niveau </a:t>
-            </a:r>
-            <a:r>
-              <a:rPr lang="fr-FR" dirty="0" smtClean="0">
-                <a:solidFill>
-                  <a:srgbClr val="00B050"/>
-                </a:solidFill>
-              </a:rPr>
-              <a:t>50 - </a:t>
-            </a:r>
-            <a:r>
-              <a:rPr lang="fr-FR" dirty="0" smtClean="0">
-                <a:solidFill>
-                  <a:schemeClr val="accent3">
-                    <a:lumMod val="40000"/>
-                    <a:lumOff val="60000"/>
-                  </a:schemeClr>
-                </a:solidFill>
-              </a:rPr>
-              <a:t>50</a:t>
-            </a:r>
-            <a:endParaRPr lang="fr-FR" dirty="0">
-              <a:solidFill>
-                <a:schemeClr val="accent3">
-                  <a:lumMod val="40000"/>
-                  <a:lumOff val="60000"/>
-                </a:schemeClr>
-              </a:solidFill>
-            </a:endParaRPr>
-          </a:p>
-          <a:p>
-            <a:pPr lvl="2"/>
-            <a:r>
-              <a:rPr lang="fr-FR" dirty="0"/>
-              <a:t>unifier ces </a:t>
-            </a:r>
-            <a:r>
-              <a:rPr lang="fr-FR" dirty="0" err="1"/>
-              <a:t>polylignes</a:t>
-            </a:r>
-            <a:r>
-              <a:rPr lang="fr-FR" dirty="0"/>
-              <a:t> pour ce </a:t>
-            </a:r>
-            <a:r>
-              <a:rPr lang="fr-FR" dirty="0" smtClean="0"/>
-              <a:t>niveau (</a:t>
-            </a:r>
-            <a:r>
-              <a:rPr lang="fr-FR" dirty="0">
-                <a:solidFill>
-                  <a:srgbClr val="FF0000"/>
-                </a:solidFill>
-              </a:rPr>
-              <a:t>problème</a:t>
-            </a:r>
-            <a:r>
-              <a:rPr lang="fr-FR" dirty="0"/>
-              <a:t> </a:t>
-            </a:r>
-            <a:r>
-              <a:rPr lang="fr-FR" dirty="0" smtClean="0"/>
-              <a:t>: taille maximal d’unification ) </a:t>
-            </a:r>
-            <a:r>
-              <a:rPr lang="fr-FR" dirty="0" smtClean="0">
-                <a:solidFill>
-                  <a:srgbClr val="00B050"/>
-                </a:solidFill>
-              </a:rPr>
-              <a:t>50 - </a:t>
-            </a:r>
-            <a:r>
-              <a:rPr lang="fr-FR" dirty="0" smtClean="0">
-                <a:solidFill>
-                  <a:schemeClr val="accent3">
-                    <a:lumMod val="40000"/>
-                    <a:lumOff val="60000"/>
-                  </a:schemeClr>
-                </a:solidFill>
-              </a:rPr>
-              <a:t>60</a:t>
-            </a:r>
-          </a:p>
-          <a:p>
-            <a:pPr lvl="2"/>
-            <a:r>
-              <a:rPr lang="fr-FR" dirty="0" smtClean="0"/>
-              <a:t>Afficher les </a:t>
-            </a:r>
-            <a:r>
-              <a:rPr lang="fr-FR" dirty="0" err="1" smtClean="0"/>
-              <a:t>polylignes</a:t>
-            </a:r>
-            <a:r>
-              <a:rPr lang="fr-FR" dirty="0" smtClean="0"/>
-              <a:t> découpées ( </a:t>
-            </a:r>
-            <a:r>
-              <a:rPr lang="fr-FR" dirty="0" smtClean="0">
-                <a:solidFill>
-                  <a:srgbClr val="FF0000"/>
-                </a:solidFill>
-              </a:rPr>
-              <a:t>problème</a:t>
-            </a:r>
-            <a:r>
-              <a:rPr lang="fr-FR" dirty="0" smtClean="0"/>
-              <a:t> : Projeter </a:t>
-            </a:r>
-            <a:r>
-              <a:rPr lang="fr-FR" dirty="0"/>
-              <a:t>cette </a:t>
-            </a:r>
-            <a:r>
-              <a:rPr lang="fr-FR" dirty="0" err="1"/>
-              <a:t>polyligne</a:t>
-            </a:r>
-            <a:r>
-              <a:rPr lang="fr-FR" dirty="0"/>
-              <a:t> dans le système local du </a:t>
-            </a:r>
-            <a:r>
-              <a:rPr lang="fr-FR" dirty="0" smtClean="0"/>
-              <a:t>smartphone ) </a:t>
-            </a:r>
-            <a:r>
-              <a:rPr lang="fr-FR" dirty="0" smtClean="0">
-                <a:solidFill>
-                  <a:srgbClr val="00B050"/>
-                </a:solidFill>
-              </a:rPr>
-              <a:t>50 - </a:t>
-            </a:r>
-            <a:r>
-              <a:rPr lang="fr-FR" dirty="0" smtClean="0">
-                <a:solidFill>
-                  <a:schemeClr val="accent3">
-                    <a:lumMod val="40000"/>
-                    <a:lumOff val="60000"/>
-                  </a:schemeClr>
-                </a:solidFill>
-              </a:rPr>
-              <a:t>70</a:t>
-            </a:r>
-            <a:endParaRPr lang="fr-FR" dirty="0">
-              <a:solidFill>
-                <a:schemeClr val="accent3">
-                  <a:lumMod val="40000"/>
-                  <a:lumOff val="60000"/>
-                </a:schemeClr>
-              </a:solidFill>
-            </a:endParaRPr>
-          </a:p>
-          <a:p>
-            <a:pPr lvl="2"/>
-            <a:r>
-              <a:rPr lang="fr-FR" dirty="0" smtClean="0"/>
-              <a:t>Boucler sur l’ensemble des étages et </a:t>
-            </a:r>
-            <a:r>
-              <a:rPr lang="fr-FR" dirty="0" err="1" smtClean="0"/>
-              <a:t>intersecter</a:t>
-            </a:r>
-            <a:r>
-              <a:rPr lang="fr-FR" dirty="0" smtClean="0"/>
-              <a:t> </a:t>
-            </a:r>
-            <a:r>
-              <a:rPr lang="fr-FR" dirty="0"/>
-              <a:t>avec l’itinéraire </a:t>
-            </a:r>
-            <a:r>
-              <a:rPr lang="fr-FR" dirty="0" smtClean="0">
-                <a:solidFill>
-                  <a:srgbClr val="00B050"/>
-                </a:solidFill>
-              </a:rPr>
-              <a:t>50 - </a:t>
-            </a:r>
-            <a:r>
-              <a:rPr lang="fr-FR" dirty="0" smtClean="0">
-                <a:solidFill>
-                  <a:schemeClr val="accent3">
-                    <a:lumMod val="40000"/>
-                    <a:lumOff val="60000"/>
-                  </a:schemeClr>
-                </a:solidFill>
-              </a:rPr>
-              <a:t>45</a:t>
-            </a:r>
-            <a:endParaRPr lang="fr-FR" dirty="0">
-              <a:solidFill>
-                <a:schemeClr val="accent3">
-                  <a:lumMod val="40000"/>
-                  <a:lumOff val="60000"/>
-                </a:schemeClr>
-              </a:solidFill>
-            </a:endParaRPr>
-          </a:p>
-          <a:p>
-            <a:pPr marL="365760" lvl="1" indent="-256032">
-              <a:spcBef>
-                <a:spcPts val="400"/>
-              </a:spcBef>
-              <a:buSzPct val="68000"/>
-              <a:buFont typeface="Wingdings 3"/>
-              <a:buChar char=""/>
-            </a:pPr>
-            <a:endParaRPr lang="fr-FR" dirty="0"/>
-          </a:p>
-          <a:p>
-            <a:pPr lvl="1"/>
-            <a:endParaRPr lang="fr-FR" dirty="0"/>
-          </a:p>
-        </p:txBody>
-      </p:sp>
-      <p:sp>
-        <p:nvSpPr>
-          <p:cNvPr id="3" name="Titre 2"/>
-          <p:cNvSpPr>
-            <a:spLocks noGrp="1"/>
-          </p:cNvSpPr>
-          <p:nvPr>
-            <p:ph type="title"/>
-          </p:nvPr>
-        </p:nvSpPr>
-        <p:spPr/>
-        <p:txBody>
-          <a:bodyPr/>
-          <a:lstStyle/>
-          <a:p>
-            <a:r>
-              <a:rPr lang="fr-FR" dirty="0" err="1" smtClean="0"/>
-              <a:t>Burn</a:t>
-            </a:r>
-            <a:r>
-              <a:rPr lang="fr-FR" dirty="0" smtClean="0"/>
-              <a:t> down chart</a:t>
-            </a:r>
-            <a:endParaRPr lang="fr-FR" dirty="0"/>
-          </a:p>
-        </p:txBody>
-      </p:sp>
-      <p:sp>
-        <p:nvSpPr>
-          <p:cNvPr id="4" name="Espace réservé de la date 3"/>
-          <p:cNvSpPr>
-            <a:spLocks noGrp="1"/>
-          </p:cNvSpPr>
-          <p:nvPr>
-            <p:ph type="dt" sz="half" idx="10"/>
-          </p:nvPr>
-        </p:nvSpPr>
-        <p:spPr/>
-        <p:txBody>
-          <a:bodyPr/>
-          <a:lstStyle/>
-          <a:p>
-            <a:fld id="{A2B6367B-9832-4072-BC14-C7B0EAE397B2}" type="datetime1">
+            <a:fld id="{6070F3F3-F3FA-466D-9066-BB7AF98A46EB}" type="datetime1">
               <a:rPr lang="fr-FR" smtClean="0"/>
               <a:t>16/05/2016</a:t>
             </a:fld>
@@ -7013,7 +6718,7 @@
       </p:sp>
       <p:sp>
         <p:nvSpPr>
-          <p:cNvPr id="5" name="Espace réservé du pied de page 4"/>
+          <p:cNvPr id="4" name="Espace réservé du pied de page 3"/>
           <p:cNvSpPr>
             <a:spLocks noGrp="1"/>
           </p:cNvSpPr>
@@ -7036,7 +6741,7 @@
       </p:sp>
       <p:sp>
         <p:nvSpPr>
-          <p:cNvPr id="8" name="Espace réservé du numéro de diapositive 7"/>
+          <p:cNvPr id="5" name="Espace réservé du numéro de diapositive 4"/>
           <p:cNvSpPr>
             <a:spLocks noGrp="1"/>
           </p:cNvSpPr>
@@ -7049,9 +6754,103 @@
           <a:bodyPr/>
           <a:lstStyle/>
           <a:p>
-            <a:r>
-              <a:rPr lang="fr-FR" dirty="0" smtClean="0"/>
-              <a:t>12</a:t>
+            <a:fld id="{EDE4D6E0-3179-4FF3-8C93-E4BAB17DD437}" type="slidenum">
+              <a:rPr lang="fr-FR" smtClean="0"/>
+              <a:t>13</a:t>
+            </a:fld>
+            <a:endParaRPr lang="fr-FR"/>
+          </a:p>
+        </p:txBody>
+      </p:sp>
+      <p:pic>
+        <p:nvPicPr>
+          <p:cNvPr id="4098" name="Picture 2"/>
+          <p:cNvPicPr>
+            <a:picLocks noChangeAspect="1" noChangeArrowheads="1"/>
+          </p:cNvPicPr>
+          <p:nvPr/>
+        </p:nvPicPr>
+        <p:blipFill rotWithShape="1">
+          <a:blip r:embed="rId2">
+            <a:extLst>
+              <a:ext uri="{28A0092B-C50C-407E-A947-70E740481C1C}">
+                <a14:useLocalDpi xmlns:a14="http://schemas.microsoft.com/office/drawing/2010/main" val="0"/>
+              </a:ext>
+            </a:extLst>
+          </a:blip>
+          <a:srcRect l="3835" t="23106" r="17045" b="16666"/>
+          <a:stretch/>
+        </p:blipFill>
+        <p:spPr bwMode="auto">
+          <a:xfrm>
+            <a:off x="1043608" y="1412776"/>
+            <a:ext cx="7716982" cy="4405746"/>
+          </a:xfrm>
+          <a:prstGeom prst="rect">
+            <a:avLst/>
+          </a:prstGeom>
+          <a:ln>
+            <a:noFill/>
+          </a:ln>
+          <a:effectLst>
+            <a:outerShdw blurRad="292100" dist="139700" dir="2700000" algn="tl" rotWithShape="0">
+              <a:srgbClr val="333333">
+                <a:alpha val="65000"/>
+              </a:srgbClr>
+            </a:outerShdw>
+          </a:effectLst>
+          <a:extLst>
+            <a:ext uri="{909E8E84-426E-40DD-AFC4-6F175D3DCCD1}">
+              <a14:hiddenFill xmlns:a14="http://schemas.microsoft.com/office/drawing/2010/main">
+                <a:solidFill>
+                  <a:schemeClr val="accent1"/>
+                </a:solidFill>
+              </a14:hiddenFill>
+            </a:ext>
+            <a:ext uri="{91240B29-F687-4F45-9708-019B960494DF}">
+              <a14:hiddenLine xmlns:a14="http://schemas.microsoft.com/office/drawing/2010/main" w="9525">
+                <a:solidFill>
+                  <a:schemeClr val="tx1"/>
+                </a:solidFill>
+                <a:miter lim="800000"/>
+                <a:headEnd/>
+                <a:tailEnd/>
+              </a14:hiddenLine>
+            </a:ext>
+          </a:extLst>
+        </p:spPr>
+      </p:pic>
+      <p:sp>
+        <p:nvSpPr>
+          <p:cNvPr id="8" name="Titre 2"/>
+          <p:cNvSpPr>
+            <a:spLocks noGrp="1"/>
+          </p:cNvSpPr>
+          <p:nvPr>
+            <p:ph type="title"/>
+          </p:nvPr>
+        </p:nvSpPr>
+        <p:spPr>
+          <a:xfrm>
+            <a:off x="457200" y="274638"/>
+            <a:ext cx="8229600" cy="1143000"/>
+          </a:xfrm>
+        </p:spPr>
+        <p:txBody>
+          <a:bodyPr/>
+          <a:lstStyle/>
+          <a:p>
+            <a:r>
+              <a:rPr lang="fr-FR" dirty="0" err="1" smtClean="0"/>
+              <a:t>Burndown</a:t>
+            </a:r>
+            <a:r>
+              <a:rPr lang="fr-FR" dirty="0" smtClean="0"/>
+              <a:t> </a:t>
+            </a:r>
+            <a:r>
+              <a:rPr lang="fr-FR" dirty="0" smtClean="0"/>
+              <a:t>chart</a:t>
             </a:r>
             <a:endParaRPr lang="fr-FR" dirty="0"/>
           </a:p>
@@ -7060,13 +6859,21 @@
     </p:spTree>
     <p:extLst>
       <p:ext uri="{BB962C8B-B14F-4D97-AF65-F5344CB8AC3E}">
-        <p14:creationId xmlns:p14="http://schemas.microsoft.com/office/powerpoint/2010/main" val="2619272356"/>
+        <p14:creationId xmlns:p14="http://schemas.microsoft.com/office/powerpoint/2010/main" val="1343316076"/>
       </p:ext>
     </p:extLst>
   </p:cSld>
   <p:clrMapOvr>
     <a:masterClrMapping/>
   </p:clrMapOvr>
+  <mc:AlternateContent xmlns:mc="http://schemas.openxmlformats.org/markup-compatibility/2006">
+    <mc:Choice xmlns:p14="http://schemas.microsoft.com/office/powerpoint/2010/main" Requires="p14">
+      <p:transition spd="slow" p14:dur="2000"/>
+    </mc:Choice>
+    <mc:Fallback>
+      <p:transition spd="slow"/>
+    </mc:Fallback>
+  </mc:AlternateContent>
   <p:timing>
     <p:tnLst>
       <p:par>
@@ -7283,6 +7090,14 @@
   <p:clrMapOvr>
     <a:masterClrMapping/>
   </p:clrMapOvr>
+  <mc:AlternateContent xmlns:mc="http://schemas.openxmlformats.org/markup-compatibility/2006">
+    <mc:Choice xmlns:p14="http://schemas.microsoft.com/office/powerpoint/2010/main" Requires="p14">
+      <p:transition spd="slow" p14:dur="2000"/>
+    </mc:Choice>
+    <mc:Fallback>
+      <p:transition spd="slow"/>
+    </mc:Fallback>
+  </mc:AlternateContent>
   <p:timing>
     <p:tnLst>
       <p:par>
@@ -7294,6 +7109,224 @@
 </file>
 
 <file path=ppt/slides/slide15.xml><?xml version="1.0" encoding="utf-8"?>
+<p:sld xmlns:a="http://schemas.openxmlformats.org/drawingml/2006/main" xmlns:r="http://schemas.openxmlformats.org/officeDocument/2006/relationships" xmlns:p="http://schemas.openxmlformats.org/presentationml/2006/main">
+  <p:cSld>
+    <p:spTree>
+      <p:nvGrpSpPr>
+        <p:cNvPr id="1" name=""/>
+        <p:cNvGrpSpPr/>
+        <p:nvPr/>
+      </p:nvGrpSpPr>
+      <p:grpSpPr>
+        <a:xfrm>
+          <a:off x="0" y="0"/>
+          <a:ext cx="0" cy="0"/>
+          <a:chOff x="0" y="0"/>
+          <a:chExt cx="0" cy="0"/>
+        </a:xfrm>
+      </p:grpSpPr>
+      <p:sp>
+        <p:nvSpPr>
+          <p:cNvPr id="2" name="Espace réservé du contenu 1"/>
+          <p:cNvSpPr>
+            <a:spLocks noGrp="1"/>
+          </p:cNvSpPr>
+          <p:nvPr>
+            <p:ph idx="1"/>
+          </p:nvPr>
+        </p:nvSpPr>
+        <p:spPr/>
+        <p:txBody>
+          <a:bodyPr/>
+          <a:lstStyle/>
+          <a:p>
+            <a:r>
+              <a:rPr lang="fr-FR" dirty="0" smtClean="0"/>
+              <a:t>Réalisation technique </a:t>
+            </a:r>
+          </a:p>
+          <a:p>
+            <a:pPr lvl="1"/>
+            <a:r>
+              <a:rPr lang="fr-FR" dirty="0" smtClean="0"/>
+              <a:t>Proposition et test d’une application mobile</a:t>
+            </a:r>
+          </a:p>
+          <a:p>
+            <a:pPr lvl="1"/>
+            <a:r>
+              <a:rPr lang="fr-FR" dirty="0" smtClean="0"/>
+              <a:t>Utilisation combinée de différentes types de données et logiciels </a:t>
+            </a:r>
+          </a:p>
+          <a:p>
+            <a:pPr marL="393192" lvl="1" indent="0">
+              <a:buNone/>
+            </a:pPr>
+            <a:endParaRPr lang="fr-FR" dirty="0" smtClean="0"/>
+          </a:p>
+          <a:p>
+            <a:r>
+              <a:rPr lang="fr-FR" dirty="0" smtClean="0"/>
+              <a:t>Gestion d’une relation client</a:t>
+            </a:r>
+          </a:p>
+          <a:p>
+            <a:pPr lvl="1"/>
+            <a:r>
+              <a:rPr lang="fr-FR" dirty="0" smtClean="0"/>
+              <a:t>Jalons, calendrier, spécifications… </a:t>
+            </a:r>
+          </a:p>
+          <a:p>
+            <a:endParaRPr lang="fr-FR" dirty="0" smtClean="0"/>
+          </a:p>
+          <a:p>
+            <a:r>
+              <a:rPr lang="fr-FR" dirty="0" smtClean="0"/>
+              <a:t>Gestion d’une relation interne</a:t>
+            </a:r>
+          </a:p>
+          <a:p>
+            <a:pPr lvl="1"/>
+            <a:r>
+              <a:rPr lang="fr-FR" dirty="0" smtClean="0"/>
+              <a:t>Organisation, prise de </a:t>
+            </a:r>
+            <a:r>
+              <a:rPr lang="fr-FR" dirty="0" smtClean="0"/>
+              <a:t>décision</a:t>
+            </a:r>
+            <a:endParaRPr lang="fr-FR" dirty="0"/>
+          </a:p>
+        </p:txBody>
+      </p:sp>
+      <p:sp>
+        <p:nvSpPr>
+          <p:cNvPr id="3" name="Titre 2"/>
+          <p:cNvSpPr>
+            <a:spLocks noGrp="1"/>
+          </p:cNvSpPr>
+          <p:nvPr>
+            <p:ph type="title"/>
+          </p:nvPr>
+        </p:nvSpPr>
+        <p:spPr/>
+        <p:txBody>
+          <a:bodyPr/>
+          <a:lstStyle/>
+          <a:p>
+            <a:r>
+              <a:rPr lang="fr-FR" dirty="0" smtClean="0"/>
+              <a:t>Conclusion</a:t>
+            </a:r>
+            <a:endParaRPr lang="fr-FR" dirty="0"/>
+          </a:p>
+        </p:txBody>
+      </p:sp>
+      <p:sp>
+        <p:nvSpPr>
+          <p:cNvPr id="4" name="Espace réservé de la date 3"/>
+          <p:cNvSpPr>
+            <a:spLocks noGrp="1"/>
+          </p:cNvSpPr>
+          <p:nvPr>
+            <p:ph type="dt" sz="half" idx="10"/>
+          </p:nvPr>
+        </p:nvSpPr>
+        <p:spPr/>
+        <p:txBody>
+          <a:bodyPr/>
+          <a:lstStyle/>
+          <a:p>
+            <a:fld id="{62614474-C364-46FF-B765-82E31B029D0F}" type="datetime1">
+              <a:rPr lang="fr-FR" smtClean="0"/>
+              <a:t>16/05/2016</a:t>
+            </a:fld>
+            <a:endParaRPr lang="fr-FR"/>
+          </a:p>
+        </p:txBody>
+      </p:sp>
+      <p:sp>
+        <p:nvSpPr>
+          <p:cNvPr id="5" name="Espace réservé du pied de page 4"/>
+          <p:cNvSpPr>
+            <a:spLocks noGrp="1"/>
+          </p:cNvSpPr>
+          <p:nvPr>
+            <p:ph type="ftr" sz="quarter" idx="11"/>
+          </p:nvPr>
+        </p:nvSpPr>
+        <p:spPr/>
+        <p:txBody>
+          <a:bodyPr/>
+          <a:lstStyle/>
+          <a:p>
+            <a:r>
+              <a:rPr lang="fr-FR" smtClean="0"/>
+              <a:t>Projet Développement</a:t>
+            </a:r>
+            <a:endParaRPr lang="fr-FR"/>
+          </a:p>
+        </p:txBody>
+      </p:sp>
+      <p:sp>
+        <p:nvSpPr>
+          <p:cNvPr id="8" name="Espace réservé du numéro de diapositive 7"/>
+          <p:cNvSpPr>
+            <a:spLocks noGrp="1"/>
+          </p:cNvSpPr>
+          <p:nvPr>
+            <p:ph type="sldNum" sz="quarter" idx="12"/>
+          </p:nvPr>
+        </p:nvSpPr>
+        <p:spPr>
+          <a:xfrm>
+            <a:off x="8604448" y="6407944"/>
+            <a:ext cx="365760" cy="365125"/>
+          </a:xfrm>
+        </p:spPr>
+        <p:txBody>
+          <a:bodyPr/>
+          <a:lstStyle/>
+          <a:p>
+            <a:r>
+              <a:rPr lang="fr-FR" dirty="0" smtClean="0"/>
+              <a:t>14</a:t>
+            </a:r>
+            <a:endParaRPr lang="fr-FR" dirty="0"/>
+          </a:p>
+        </p:txBody>
+      </p:sp>
+    </p:spTree>
+    <p:extLst>
+      <p:ext uri="{BB962C8B-B14F-4D97-AF65-F5344CB8AC3E}">
+        <p14:creationId xmlns:p14="http://schemas.microsoft.com/office/powerpoint/2010/main" val="4022405806"/>
+      </p:ext>
+    </p:extLst>
+  </p:cSld>
+  <p:clrMapOvr>
+    <a:masterClrMapping/>
+  </p:clrMapOvr>
+  <mc:AlternateContent xmlns:mc="http://schemas.openxmlformats.org/markup-compatibility/2006">
+    <mc:Choice xmlns:p14="http://schemas.microsoft.com/office/powerpoint/2010/main" Requires="p14">
+      <p:transition spd="slow" p14:dur="2000"/>
+    </mc:Choice>
+    <mc:Fallback>
+      <p:transition spd="slow"/>
+    </mc:Fallback>
+  </mc:AlternateContent>
+  <p:timing>
+    <p:tnLst>
+      <p:par>
+        <p:cTn id="1" dur="indefinite" restart="never" nodeType="tmRoot"/>
+      </p:par>
+    </p:tnLst>
+  </p:timing>
+</p:sld>
+</file>
+
+<file path=ppt/slides/slide16.xml><?xml version="1.0" encoding="utf-8"?>
 <p:sld xmlns:a="http://schemas.openxmlformats.org/drawingml/2006/main" xmlns:r="http://schemas.openxmlformats.org/officeDocument/2006/relationships" xmlns:p="http://schemas.openxmlformats.org/presentationml/2006/main">
   <p:cSld>
     <p:spTree>
@@ -7541,7 +7574,7 @@
           <a:p>
             <a:r>
               <a:rPr lang="fr-FR" dirty="0" smtClean="0"/>
-              <a:t>14</a:t>
+              <a:t>15</a:t>
             </a:r>
             <a:endParaRPr lang="fr-FR" dirty="0"/>
           </a:p>
@@ -7557,211 +7590,14 @@
   <p:clrMapOvr>
     <a:masterClrMapping/>
   </p:clrMapOvr>
-  <p:timing>
-    <p:tnLst>
-      <p:par>
-        <p:cTn id="1" dur="indefinite" restart="never" nodeType="tmRoot"/>
-      </p:par>
-    </p:tnLst>
-  </p:timing>
-</p:sld>
-</file>
-
-<file path=ppt/slides/slide16.xml><?xml version="1.0" encoding="utf-8"?>
-<p:sld xmlns:a="http://schemas.openxmlformats.org/drawingml/2006/main" xmlns:r="http://schemas.openxmlformats.org/officeDocument/2006/relationships" xmlns:p="http://schemas.openxmlformats.org/presentationml/2006/main">
-  <p:cSld>
-    <p:spTree>
-      <p:nvGrpSpPr>
-        <p:cNvPr id="1" name=""/>
-        <p:cNvGrpSpPr/>
-        <p:nvPr/>
-      </p:nvGrpSpPr>
-      <p:grpSpPr>
-        <a:xfrm>
-          <a:off x="0" y="0"/>
-          <a:ext cx="0" cy="0"/>
-          <a:chOff x="0" y="0"/>
-          <a:chExt cx="0" cy="0"/>
-        </a:xfrm>
-      </p:grpSpPr>
-      <p:sp>
-        <p:nvSpPr>
-          <p:cNvPr id="2" name="Espace réservé du contenu 1"/>
-          <p:cNvSpPr>
-            <a:spLocks noGrp="1"/>
-          </p:cNvSpPr>
-          <p:nvPr>
-            <p:ph idx="1"/>
-          </p:nvPr>
-        </p:nvSpPr>
-        <p:spPr/>
-        <p:txBody>
-          <a:bodyPr/>
-          <a:lstStyle/>
-          <a:p>
-            <a:r>
-              <a:rPr lang="fr-FR" dirty="0" smtClean="0"/>
-              <a:t>Réalisation technique </a:t>
-            </a:r>
-          </a:p>
-          <a:p>
-            <a:pPr lvl="1"/>
-            <a:r>
-              <a:rPr lang="fr-FR" dirty="0" smtClean="0"/>
-              <a:t>Proposition et test d’une application mobile</a:t>
-            </a:r>
-          </a:p>
-          <a:p>
-            <a:pPr lvl="1"/>
-            <a:r>
-              <a:rPr lang="fr-FR" dirty="0" smtClean="0"/>
-              <a:t>Utilisation combinée de différentes types de données et logiciels </a:t>
-            </a:r>
-          </a:p>
-          <a:p>
-            <a:pPr marL="393192" lvl="1" indent="0">
-              <a:buNone/>
-            </a:pPr>
-            <a:endParaRPr lang="fr-FR" dirty="0" smtClean="0"/>
-          </a:p>
-          <a:p>
-            <a:r>
-              <a:rPr lang="fr-FR" dirty="0" smtClean="0"/>
-              <a:t>Gestion d’une relation client</a:t>
-            </a:r>
-          </a:p>
-          <a:p>
-            <a:pPr lvl="1"/>
-            <a:r>
-              <a:rPr lang="fr-FR" dirty="0" smtClean="0"/>
-              <a:t>Jalons, calendrier, spécifications… </a:t>
-            </a:r>
-          </a:p>
-          <a:p>
-            <a:endParaRPr lang="fr-FR" dirty="0" smtClean="0"/>
-          </a:p>
-          <a:p>
-            <a:r>
-              <a:rPr lang="fr-FR" dirty="0" smtClean="0"/>
-              <a:t>Gestion d’une relation interne</a:t>
-            </a:r>
-          </a:p>
-          <a:p>
-            <a:pPr lvl="1"/>
-            <a:r>
-              <a:rPr lang="fr-FR" dirty="0" smtClean="0"/>
-              <a:t>Organisation, prise de </a:t>
-            </a:r>
-            <a:r>
-              <a:rPr lang="fr-FR" dirty="0" smtClean="0"/>
-              <a:t>décision</a:t>
-            </a:r>
-            <a:endParaRPr lang="fr-FR" dirty="0"/>
-          </a:p>
-        </p:txBody>
-      </p:sp>
-      <p:sp>
-        <p:nvSpPr>
-          <p:cNvPr id="3" name="Titre 2"/>
-          <p:cNvSpPr>
-            <a:spLocks noGrp="1"/>
-          </p:cNvSpPr>
-          <p:nvPr>
-            <p:ph type="title"/>
-          </p:nvPr>
-        </p:nvSpPr>
-        <p:spPr/>
-        <p:txBody>
-          <a:bodyPr/>
-          <a:lstStyle/>
-          <a:p>
-            <a:r>
-              <a:rPr lang="fr-FR" dirty="0" smtClean="0"/>
-              <a:t>Conclusion</a:t>
-            </a:r>
-            <a:endParaRPr lang="fr-FR" dirty="0"/>
-          </a:p>
-        </p:txBody>
-      </p:sp>
-      <p:sp>
-        <p:nvSpPr>
-          <p:cNvPr id="4" name="Espace réservé de la date 3"/>
-          <p:cNvSpPr>
-            <a:spLocks noGrp="1"/>
-          </p:cNvSpPr>
-          <p:nvPr>
-            <p:ph type="dt" sz="half" idx="10"/>
-          </p:nvPr>
-        </p:nvSpPr>
-        <p:spPr/>
-        <p:txBody>
-          <a:bodyPr/>
-          <a:lstStyle/>
-          <a:p>
-            <a:fld id="{62614474-C364-46FF-B765-82E31B029D0F}" type="datetime1">
-              <a:rPr lang="fr-FR" smtClean="0"/>
-              <a:t>16/05/2016</a:t>
-            </a:fld>
-            <a:endParaRPr lang="fr-FR"/>
-          </a:p>
-        </p:txBody>
-      </p:sp>
-      <p:sp>
-        <p:nvSpPr>
-          <p:cNvPr id="5" name="Espace réservé du pied de page 4"/>
-          <p:cNvSpPr>
-            <a:spLocks noGrp="1"/>
-          </p:cNvSpPr>
-          <p:nvPr>
-            <p:ph type="ftr" sz="quarter" idx="11"/>
-          </p:nvPr>
-        </p:nvSpPr>
-        <p:spPr/>
-        <p:txBody>
-          <a:bodyPr/>
-          <a:lstStyle/>
-          <a:p>
-            <a:r>
-              <a:rPr lang="fr-FR" smtClean="0"/>
-              <a:t>Projet Développement</a:t>
-            </a:r>
-            <a:endParaRPr lang="fr-FR"/>
-          </a:p>
-        </p:txBody>
-      </p:sp>
-      <p:sp>
-        <p:nvSpPr>
-          <p:cNvPr id="8" name="Espace réservé du numéro de diapositive 7"/>
-          <p:cNvSpPr>
-            <a:spLocks noGrp="1"/>
-          </p:cNvSpPr>
-          <p:nvPr>
-            <p:ph type="sldNum" sz="quarter" idx="12"/>
-          </p:nvPr>
-        </p:nvSpPr>
-        <p:spPr/>
-        <p:txBody>
-          <a:bodyPr/>
-          <a:lstStyle/>
-          <a:p>
-            <a:r>
-              <a:rPr lang="fr-FR" dirty="0" smtClean="0"/>
-              <a:t>15</a:t>
-            </a:r>
-            <a:endParaRPr lang="fr-FR" dirty="0"/>
-          </a:p>
-        </p:txBody>
-      </p:sp>
-    </p:spTree>
-    <p:extLst>
-      <p:ext uri="{BB962C8B-B14F-4D97-AF65-F5344CB8AC3E}">
-        <p14:creationId xmlns:p14="http://schemas.microsoft.com/office/powerpoint/2010/main" val="4022405806"/>
-      </p:ext>
-    </p:extLst>
-  </p:cSld>
-  <p:clrMapOvr>
-    <a:masterClrMapping/>
-  </p:clrMapOvr>
+  <mc:AlternateContent xmlns:mc="http://schemas.openxmlformats.org/markup-compatibility/2006">
+    <mc:Choice xmlns:p14="http://schemas.microsoft.com/office/powerpoint/2010/main" Requires="p14">
+      <p:transition spd="slow" p14:dur="2000"/>
+    </mc:Choice>
+    <mc:Fallback>
+      <p:transition spd="slow"/>
+    </mc:Fallback>
+  </mc:AlternateContent>
   <p:timing>
     <p:tnLst>
       <p:par>
@@ -7904,6 +7740,14 @@
   <p:clrMapOvr>
     <a:masterClrMapping/>
   </p:clrMapOvr>
+  <mc:AlternateContent xmlns:mc="http://schemas.openxmlformats.org/markup-compatibility/2006">
+    <mc:Choice xmlns:p14="http://schemas.microsoft.com/office/powerpoint/2010/main" Requires="p14">
+      <p:transition spd="slow" p14:dur="2000"/>
+    </mc:Choice>
+    <mc:Fallback>
+      <p:transition spd="slow"/>
+    </mc:Fallback>
+  </mc:AlternateContent>
   <p:timing>
     <p:tnLst>
       <p:par>
@@ -8119,6 +7963,14 @@
   <p:clrMapOvr>
     <a:masterClrMapping/>
   </p:clrMapOvr>
+  <mc:AlternateContent xmlns:mc="http://schemas.openxmlformats.org/markup-compatibility/2006">
+    <mc:Choice xmlns:p14="http://schemas.microsoft.com/office/powerpoint/2010/main" Requires="p14">
+      <p:transition spd="slow" p14:dur="2000"/>
+    </mc:Choice>
+    <mc:Fallback>
+      <p:transition spd="slow"/>
+    </mc:Fallback>
+  </mc:AlternateContent>
   <p:timing>
     <p:tnLst>
       <p:par>
@@ -8386,6 +8238,14 @@
   <p:clrMapOvr>
     <a:masterClrMapping/>
   </p:clrMapOvr>
+  <mc:AlternateContent xmlns:mc="http://schemas.openxmlformats.org/markup-compatibility/2006">
+    <mc:Choice xmlns:p14="http://schemas.microsoft.com/office/powerpoint/2010/main" Requires="p14">
+      <p:transition spd="slow" p14:dur="2000"/>
+    </mc:Choice>
+    <mc:Fallback>
+      <p:transition spd="slow"/>
+    </mc:Fallback>
+  </mc:AlternateContent>
   <p:timing>
     <p:tnLst>
       <p:par>
@@ -8657,6 +8517,14 @@
   <p:clrMapOvr>
     <a:masterClrMapping/>
   </p:clrMapOvr>
+  <mc:AlternateContent xmlns:mc="http://schemas.openxmlformats.org/markup-compatibility/2006">
+    <mc:Choice xmlns:p14="http://schemas.microsoft.com/office/powerpoint/2010/main" Requires="p14">
+      <p:transition spd="slow" p14:dur="2000"/>
+    </mc:Choice>
+    <mc:Fallback>
+      <p:transition spd="slow"/>
+    </mc:Fallback>
+  </mc:AlternateContent>
   <p:timing>
     <p:tnLst>
       <p:par>
@@ -9126,6 +8994,14 @@
   <p:clrMapOvr>
     <a:masterClrMapping/>
   </p:clrMapOvr>
+  <mc:AlternateContent xmlns:mc="http://schemas.openxmlformats.org/markup-compatibility/2006">
+    <mc:Choice xmlns:p14="http://schemas.microsoft.com/office/powerpoint/2010/main" Requires="p14">
+      <p:transition spd="slow" p14:dur="2000"/>
+    </mc:Choice>
+    <mc:Fallback>
+      <p:transition spd="slow"/>
+    </mc:Fallback>
+  </mc:AlternateContent>
   <p:timing>
     <p:tnLst>
       <p:par>
@@ -9324,6 +9200,14 @@
   <p:clrMapOvr>
     <a:masterClrMapping/>
   </p:clrMapOvr>
+  <mc:AlternateContent xmlns:mc="http://schemas.openxmlformats.org/markup-compatibility/2006">
+    <mc:Choice xmlns:p14="http://schemas.microsoft.com/office/powerpoint/2010/main" Requires="p14">
+      <p:transition spd="slow" p14:dur="2000"/>
+    </mc:Choice>
+    <mc:Fallback>
+      <p:transition spd="slow"/>
+    </mc:Fallback>
+  </mc:AlternateContent>
   <p:timing>
     <p:tnLst>
       <p:par>
@@ -9965,6 +9849,14 @@
   <p:clrMapOvr>
     <a:masterClrMapping/>
   </p:clrMapOvr>
+  <mc:AlternateContent xmlns:mc="http://schemas.openxmlformats.org/markup-compatibility/2006">
+    <mc:Choice xmlns:p14="http://schemas.microsoft.com/office/powerpoint/2010/main" Requires="p14">
+      <p:transition spd="slow" p14:dur="2000"/>
+    </mc:Choice>
+    <mc:Fallback>
+      <p:transition spd="slow"/>
+    </mc:Fallback>
+  </mc:AlternateContent>
   <p:timing>
     <p:tnLst>
       <p:par>
@@ -10003,7 +9895,7 @@
           </p:nvPr>
         </p:nvPicPr>
         <p:blipFill>
-          <a:blip r:embed="rId2" cstate="print">
+          <a:blip r:embed="rId3" cstate="print">
             <a:extLst>
               <a:ext uri="{28A0092B-C50C-407E-A947-70E740481C1C}">
                 <a14:useLocalDpi xmlns:a14="http://schemas.microsoft.com/office/drawing/2010/main" val="0"/>
@@ -10331,7 +10223,7 @@
           <p:nvPr/>
         </p:nvPicPr>
         <p:blipFill rotWithShape="1">
-          <a:blip r:embed="rId3">
+          <a:blip r:embed="rId4">
             <a:extLst>
               <a:ext uri="{28A0092B-C50C-407E-A947-70E740481C1C}">
                 <a14:useLocalDpi xmlns:a14="http://schemas.microsoft.com/office/drawing/2010/main" val="0"/>
@@ -10374,7 +10266,7 @@
             <p:nvPr/>
           </p:nvPicPr>
           <p:blipFill rotWithShape="1">
-            <a:blip r:embed="rId3">
+            <a:blip r:embed="rId4">
               <a:extLst>
                 <a:ext uri="{28A0092B-C50C-407E-A947-70E740481C1C}">
                   <a14:useLocalDpi xmlns:a14="http://schemas.microsoft.com/office/drawing/2010/main" val="0"/>
@@ -10480,6 +10372,9 @@
         </p:txBody>
       </p:sp>
     </p:spTree>
+    <p:custDataLst>
+      <p:tags r:id="rId1"/>
+    </p:custDataLst>
     <p:extLst>
       <p:ext uri="{BB962C8B-B14F-4D97-AF65-F5344CB8AC3E}">
         <p14:creationId xmlns:p14="http://schemas.microsoft.com/office/powerpoint/2010/main" val="4161104151"/>
@@ -10489,6 +10384,14 @@
   <p:clrMapOvr>
     <a:masterClrMapping/>
   </p:clrMapOvr>
+  <mc:AlternateContent xmlns:mc="http://schemas.openxmlformats.org/markup-compatibility/2006">
+    <mc:Choice xmlns:p14="http://schemas.microsoft.com/office/powerpoint/2010/main" Requires="p14">
+      <p:transition spd="slow" p14:dur="2000"/>
+    </mc:Choice>
+    <mc:Fallback>
+      <p:transition spd="slow"/>
+    </mc:Fallback>
+  </mc:AlternateContent>
   <p:timing>
     <p:tnLst>
       <p:par>
@@ -10602,7 +10505,7 @@
         </p:spPr>
         <p:txBody>
           <a:bodyPr>
-            <a:normAutofit fontScale="77500" lnSpcReduction="20000"/>
+            <a:normAutofit fontScale="85000" lnSpcReduction="20000"/>
           </a:bodyPr>
           <a:lstStyle/>
           <a:p>
@@ -10641,13 +10544,14 @@
           <a:p>
             <a:r>
               <a:rPr lang="fr-FR" dirty="0"/>
-              <a:t>Construction collaborative  du </a:t>
-            </a:r>
-            <a:br>
-              <a:rPr lang="fr-FR" dirty="0"/>
-            </a:br>
-            <a:r>
-              <a:rPr lang="fr-FR" i="1" dirty="0"/>
+              <a:t>Construction collaborative </a:t>
+            </a:r>
+            <a:r>
+              <a:rPr lang="fr-FR" dirty="0" smtClean="0"/>
+              <a:t>du </a:t>
+            </a:r>
+            <a:r>
+              <a:rPr lang="fr-FR" i="1" dirty="0" smtClean="0"/>
               <a:t>Product </a:t>
             </a:r>
             <a:r>
@@ -10711,7 +10615,15 @@
           <a:p>
             <a:r>
               <a:rPr lang="fr-FR" dirty="0" smtClean="0"/>
-              <a:t>Trier par valeurs ajoutés </a:t>
+              <a:t>Trier par valeurs </a:t>
+            </a:r>
+            <a:r>
+              <a:rPr lang="fr-FR" dirty="0" smtClean="0"/>
+              <a:t>ajoutées </a:t>
+            </a:r>
+            <a:r>
+              <a:rPr lang="fr-FR" dirty="0" smtClean="0"/>
+              <a:t/>
             </a:r>
             <a:br>
               <a:rPr lang="fr-FR" dirty="0" smtClean="0"/>
@@ -10844,6 +10756,14 @@
   <p:clrMapOvr>
     <a:masterClrMapping/>
   </p:clrMapOvr>
+  <mc:AlternateContent xmlns:mc="http://schemas.openxmlformats.org/markup-compatibility/2006">
+    <mc:Choice xmlns:p14="http://schemas.microsoft.com/office/powerpoint/2010/main" Requires="p14">
+      <p:transition spd="slow" p14:dur="2000"/>
+    </mc:Choice>
+    <mc:Fallback>
+      <p:transition spd="slow"/>
+    </mc:Fallback>
+  </mc:AlternateContent>
   <p:timing>
     <p:tnLst>
       <p:par>
@@ -10852,6 +10772,12 @@
     </p:tnLst>
   </p:timing>
 </p:sld>
+</file>
+
+<file path=ppt/tags/tag1.xml><?xml version="1.0" encoding="utf-8"?>
+<p:tagLst xmlns:a="http://schemas.openxmlformats.org/drawingml/2006/main" xmlns:r="http://schemas.openxmlformats.org/officeDocument/2006/relationships" xmlns:p="http://schemas.openxmlformats.org/presentationml/2006/main">
+  <p:tag name="TIMING" val="|14.2"/>
+</p:tagLst>
 </file>
 
 <file path=ppt/theme/theme1.xml><?xml version="1.0" encoding="utf-8"?>
